--- a/박시원/발표자료/220629_레지스터.pptx
+++ b/박시원/발표자료/220629_레지스터.pptx
@@ -282,7 +282,7 @@
           <a:p>
             <a:fld id="{80CA68D8-265D-48E6-81A2-6BB7FBBDAE8A}" type="datetimeFigureOut">
               <a:rPr lang="ko-KR" altLang="en-US" smtClean="0"/>
-              <a:t>2022-06-28</a:t>
+              <a:t>2022-06-29</a:t>
             </a:fld>
             <a:endParaRPr lang="ko-KR" altLang="en-US"/>
           </a:p>
@@ -452,7 +452,7 @@
           <a:p>
             <a:fld id="{80CA68D8-265D-48E6-81A2-6BB7FBBDAE8A}" type="datetimeFigureOut">
               <a:rPr lang="ko-KR" altLang="en-US" smtClean="0"/>
-              <a:t>2022-06-28</a:t>
+              <a:t>2022-06-29</a:t>
             </a:fld>
             <a:endParaRPr lang="ko-KR" altLang="en-US"/>
           </a:p>
@@ -632,7 +632,7 @@
           <a:p>
             <a:fld id="{80CA68D8-265D-48E6-81A2-6BB7FBBDAE8A}" type="datetimeFigureOut">
               <a:rPr lang="ko-KR" altLang="en-US" smtClean="0"/>
-              <a:t>2022-06-28</a:t>
+              <a:t>2022-06-29</a:t>
             </a:fld>
             <a:endParaRPr lang="ko-KR" altLang="en-US"/>
           </a:p>
@@ -802,7 +802,7 @@
           <a:p>
             <a:fld id="{80CA68D8-265D-48E6-81A2-6BB7FBBDAE8A}" type="datetimeFigureOut">
               <a:rPr lang="ko-KR" altLang="en-US" smtClean="0"/>
-              <a:t>2022-06-28</a:t>
+              <a:t>2022-06-29</a:t>
             </a:fld>
             <a:endParaRPr lang="ko-KR" altLang="en-US"/>
           </a:p>
@@ -1048,7 +1048,7 @@
           <a:p>
             <a:fld id="{80CA68D8-265D-48E6-81A2-6BB7FBBDAE8A}" type="datetimeFigureOut">
               <a:rPr lang="ko-KR" altLang="en-US" smtClean="0"/>
-              <a:t>2022-06-28</a:t>
+              <a:t>2022-06-29</a:t>
             </a:fld>
             <a:endParaRPr lang="ko-KR" altLang="en-US"/>
           </a:p>
@@ -1280,7 +1280,7 @@
           <a:p>
             <a:fld id="{80CA68D8-265D-48E6-81A2-6BB7FBBDAE8A}" type="datetimeFigureOut">
               <a:rPr lang="ko-KR" altLang="en-US" smtClean="0"/>
-              <a:t>2022-06-28</a:t>
+              <a:t>2022-06-29</a:t>
             </a:fld>
             <a:endParaRPr lang="ko-KR" altLang="en-US"/>
           </a:p>
@@ -1647,7 +1647,7 @@
           <a:p>
             <a:fld id="{80CA68D8-265D-48E6-81A2-6BB7FBBDAE8A}" type="datetimeFigureOut">
               <a:rPr lang="ko-KR" altLang="en-US" smtClean="0"/>
-              <a:t>2022-06-28</a:t>
+              <a:t>2022-06-29</a:t>
             </a:fld>
             <a:endParaRPr lang="ko-KR" altLang="en-US"/>
           </a:p>
@@ -1765,7 +1765,7 @@
           <a:p>
             <a:fld id="{80CA68D8-265D-48E6-81A2-6BB7FBBDAE8A}" type="datetimeFigureOut">
               <a:rPr lang="ko-KR" altLang="en-US" smtClean="0"/>
-              <a:t>2022-06-28</a:t>
+              <a:t>2022-06-29</a:t>
             </a:fld>
             <a:endParaRPr lang="ko-KR" altLang="en-US"/>
           </a:p>
@@ -1860,7 +1860,7 @@
           <a:p>
             <a:fld id="{80CA68D8-265D-48E6-81A2-6BB7FBBDAE8A}" type="datetimeFigureOut">
               <a:rPr lang="ko-KR" altLang="en-US" smtClean="0"/>
-              <a:t>2022-06-28</a:t>
+              <a:t>2022-06-29</a:t>
             </a:fld>
             <a:endParaRPr lang="ko-KR" altLang="en-US"/>
           </a:p>
@@ -2137,7 +2137,7 @@
           <a:p>
             <a:fld id="{80CA68D8-265D-48E6-81A2-6BB7FBBDAE8A}" type="datetimeFigureOut">
               <a:rPr lang="ko-KR" altLang="en-US" smtClean="0"/>
-              <a:t>2022-06-28</a:t>
+              <a:t>2022-06-29</a:t>
             </a:fld>
             <a:endParaRPr lang="ko-KR" altLang="en-US"/>
           </a:p>
@@ -2390,7 +2390,7 @@
           <a:p>
             <a:fld id="{80CA68D8-265D-48E6-81A2-6BB7FBBDAE8A}" type="datetimeFigureOut">
               <a:rPr lang="ko-KR" altLang="en-US" smtClean="0"/>
-              <a:t>2022-06-28</a:t>
+              <a:t>2022-06-29</a:t>
             </a:fld>
             <a:endParaRPr lang="ko-KR" altLang="en-US"/>
           </a:p>
@@ -2603,7 +2603,7 @@
           <a:p>
             <a:fld id="{80CA68D8-265D-48E6-81A2-6BB7FBBDAE8A}" type="datetimeFigureOut">
               <a:rPr lang="ko-KR" altLang="en-US" smtClean="0"/>
-              <a:t>2022-06-28</a:t>
+              <a:t>2022-06-29</a:t>
             </a:fld>
             <a:endParaRPr lang="ko-KR" altLang="en-US"/>
           </a:p>
@@ -3185,8 +3185,8 @@
         </p:nvSpPr>
         <p:spPr>
           <a:xfrm>
-            <a:off x="1845190" y="942591"/>
-            <a:ext cx="7483551" cy="1077218"/>
+            <a:off x="1845190" y="1501599"/>
+            <a:ext cx="8131729" cy="800219"/>
           </a:xfrm>
           <a:prstGeom prst="rect">
             <a:avLst/>
@@ -3928,6 +3928,36 @@
           <a:p>
             <a:pPr algn="ctr"/>
             <a:endParaRPr lang="ko-KR" altLang="en-US"/>
+          </a:p>
+        </p:txBody>
+      </p:sp>
+      <p:sp>
+        <p:nvSpPr>
+          <p:cNvPr id="20" name="TextBox 19"/>
+          <p:cNvSpPr txBox="1"/>
+          <p:nvPr/>
+        </p:nvSpPr>
+        <p:spPr>
+          <a:xfrm>
+            <a:off x="1694080" y="961201"/>
+            <a:ext cx="3398661" cy="400110"/>
+          </a:xfrm>
+          <a:prstGeom prst="rect">
+            <a:avLst/>
+          </a:prstGeom>
+          <a:noFill/>
+        </p:spPr>
+        <p:txBody>
+          <a:bodyPr wrap="square" rtlCol="0">
+            <a:spAutoFit/>
+          </a:bodyPr>
+          <a:lstStyle/>
+          <a:p>
+            <a:r>
+              <a:rPr lang="ko-KR" altLang="en-US" sz="2000" b="1" dirty="0" smtClean="0"/>
+              <a:t>정의</a:t>
+            </a:r>
+            <a:endParaRPr lang="ko-KR" altLang="en-US" sz="2000" b="1" dirty="0"/>
           </a:p>
         </p:txBody>
       </p:sp>
@@ -5794,6 +5824,64 @@
           </a:p>
         </p:txBody>
       </p:sp>
+      <p:sp>
+        <p:nvSpPr>
+          <p:cNvPr id="2" name="TextBox 1"/>
+          <p:cNvSpPr txBox="1"/>
+          <p:nvPr/>
+        </p:nvSpPr>
+        <p:spPr>
+          <a:xfrm>
+            <a:off x="6989277" y="5413841"/>
+            <a:ext cx="5047148" cy="923330"/>
+          </a:xfrm>
+          <a:prstGeom prst="rect">
+            <a:avLst/>
+          </a:prstGeom>
+          <a:noFill/>
+        </p:spPr>
+        <p:txBody>
+          <a:bodyPr wrap="square" rtlCol="0">
+            <a:spAutoFit/>
+          </a:bodyPr>
+          <a:lstStyle/>
+          <a:p>
+            <a:r>
+              <a:rPr lang="en-US" altLang="ko-KR" dirty="0" smtClean="0"/>
+              <a:t>※ </a:t>
+            </a:r>
+            <a:r>
+              <a:rPr lang="ko-KR" altLang="en-US" dirty="0" smtClean="0"/>
+              <a:t>오퍼랜드</a:t>
+            </a:r>
+            <a:r>
+              <a:rPr lang="en-US" altLang="ko-KR" dirty="0" smtClean="0"/>
+              <a:t>(Operand): </a:t>
+            </a:r>
+            <a:r>
+              <a:rPr lang="ko-KR" altLang="en-US" dirty="0" smtClean="0"/>
+              <a:t>각 명령어가 </a:t>
+            </a:r>
+            <a:r>
+              <a:rPr lang="en-US" altLang="ko-KR" dirty="0" smtClean="0"/>
+              <a:t>CPU</a:t>
+            </a:r>
+            <a:r>
+              <a:rPr lang="ko-KR" altLang="en-US" dirty="0" smtClean="0"/>
+              <a:t>에 의해 실행될 때</a:t>
+            </a:r>
+            <a:r>
+              <a:rPr lang="en-US" altLang="ko-KR" dirty="0" smtClean="0"/>
+              <a:t>, </a:t>
+            </a:r>
+            <a:r>
+              <a:rPr lang="ko-KR" altLang="en-US" dirty="0" smtClean="0"/>
+              <a:t>연산을 수행하는데 필요한 데이터 혹은 데이터 주소를 말함</a:t>
+            </a:r>
+            <a:endParaRPr lang="ko-KR" altLang="en-US" dirty="0"/>
+          </a:p>
+        </p:txBody>
+      </p:sp>
     </p:spTree>
     <p:extLst>
       <p:ext uri="{BB962C8B-B14F-4D97-AF65-F5344CB8AC3E}">
@@ -6453,7 +6541,7 @@
         <p:spPr>
           <a:xfrm>
             <a:off x="1701754" y="1437030"/>
-            <a:ext cx="7002975" cy="2062103"/>
+            <a:ext cx="7002975" cy="1785104"/>
           </a:xfrm>
           <a:prstGeom prst="rect">
             <a:avLst/>
@@ -6561,52 +6649,48 @@
               <a:buChar char="§"/>
             </a:pPr>
             <a:r>
-              <a:rPr lang="ko-KR" altLang="en-US" dirty="0"/>
-              <a:t>최신 </a:t>
-            </a:r>
-            <a:r>
               <a:rPr lang="ko-KR" altLang="en-US" dirty="0" smtClean="0"/>
-              <a:t>프로세서에서는 </a:t>
-            </a:r>
-            <a:r>
-              <a:rPr lang="ko-KR" altLang="en-US" dirty="0"/>
-              <a:t>대개 레지스터 파일로 구현되지만</a:t>
+              <a:t>과거에는 </a:t>
+            </a:r>
+            <a:r>
+              <a:rPr lang="ko-KR" altLang="en-US" dirty="0" err="1"/>
+              <a:t>플립플롭</a:t>
             </a:r>
             <a:r>
               <a:rPr lang="en-US" altLang="ko-KR" dirty="0"/>
               <a:t>, </a:t>
             </a:r>
             <a:r>
+              <a:rPr lang="ko-KR" altLang="en-US" dirty="0" err="1"/>
+              <a:t>마그네틱</a:t>
+            </a:r>
+            <a:r>
               <a:rPr lang="ko-KR" altLang="en-US" dirty="0"/>
-              <a:t>과거에는 </a:t>
-            </a:r>
-            <a:r>
-              <a:rPr lang="ko-KR" altLang="en-US" dirty="0" err="1"/>
-              <a:t>플립플롭</a:t>
+              <a:t> 코어</a:t>
             </a:r>
             <a:r>
               <a:rPr lang="en-US" altLang="ko-KR" dirty="0"/>
               <a:t>, </a:t>
             </a:r>
             <a:r>
-              <a:rPr lang="ko-KR" altLang="en-US" dirty="0" err="1"/>
-              <a:t>마그네틱</a:t>
-            </a:r>
-            <a:r>
               <a:rPr lang="ko-KR" altLang="en-US" dirty="0"/>
-              <a:t> 코어</a:t>
-            </a:r>
-            <a:r>
-              <a:rPr lang="en-US" altLang="ko-KR" dirty="0"/>
+              <a:t>박막 필름 메모리 등으로 </a:t>
+            </a:r>
+            <a:r>
+              <a:rPr lang="ko-KR" altLang="en-US" dirty="0" smtClean="0"/>
+              <a:t>구현했지만</a:t>
+            </a:r>
+            <a:r>
+              <a:rPr lang="en-US" altLang="ko-KR" dirty="0" smtClean="0"/>
               <a:t>, </a:t>
             </a:r>
             <a:r>
               <a:rPr lang="ko-KR" altLang="en-US" dirty="0"/>
-              <a:t>박막 필름 메모리 등으로 구현되기도 </a:t>
+              <a:t>최신 프로세서에서는 대개 레지스터 </a:t>
             </a:r>
             <a:r>
               <a:rPr lang="ko-KR" altLang="en-US" dirty="0" smtClean="0"/>
-              <a:t>했음</a:t>
+              <a:t>파일로 구현함</a:t>
             </a:r>
             <a:endParaRPr lang="en-US" altLang="ko-KR" dirty="0"/>
           </a:p>
@@ -6699,7 +6783,7 @@
         </p:blipFill>
         <p:spPr bwMode="auto">
           <a:xfrm>
-            <a:off x="8579224" y="1340821"/>
+            <a:off x="8574836" y="127814"/>
             <a:ext cx="3457201" cy="1874829"/>
           </a:xfrm>
           <a:prstGeom prst="rect">
@@ -6944,6 +7028,30 @@
           </a:p>
         </p:txBody>
       </p:sp>
+      <p:pic>
+        <p:nvPicPr>
+          <p:cNvPr id="6" name="그림 5"/>
+          <p:cNvPicPr>
+            <a:picLocks noChangeAspect="1"/>
+          </p:cNvPicPr>
+          <p:nvPr/>
+        </p:nvPicPr>
+        <p:blipFill>
+          <a:blip r:embed="rId3"/>
+          <a:stretch>
+            <a:fillRect/>
+          </a:stretch>
+        </p:blipFill>
+        <p:spPr>
+          <a:xfrm>
+            <a:off x="8700959" y="2075069"/>
+            <a:ext cx="3331696" cy="2807760"/>
+          </a:xfrm>
+          <a:prstGeom prst="rect">
+            <a:avLst/>
+          </a:prstGeom>
+        </p:spPr>
+      </p:pic>
     </p:spTree>
     <p:extLst>
       <p:ext uri="{BB962C8B-B14F-4D97-AF65-F5344CB8AC3E}">
@@ -7740,7 +7848,7 @@
         <p:spPr>
           <a:xfrm>
             <a:off x="1576588" y="951133"/>
-            <a:ext cx="9225884" cy="3077766"/>
+            <a:ext cx="9225884" cy="3354765"/>
           </a:xfrm>
           <a:prstGeom prst="rect">
             <a:avLst/>
@@ -7825,7 +7933,7 @@
               <a:buChar char="§"/>
             </a:pPr>
             <a:r>
-              <a:rPr lang="ko-KR" altLang="en-US" dirty="0" smtClean="0"/>
+              <a:rPr lang="ko-KR" altLang="en-US" b="1" dirty="0" smtClean="0"/>
               <a:t>범용 레지스터 </a:t>
             </a:r>
             <a:r>
@@ -7918,6 +8026,13 @@
               <a:rPr lang="en-US" altLang="ko-KR" dirty="0" smtClean="0"/>
               <a:t>: </a:t>
             </a:r>
+            <a:br>
+              <a:rPr lang="en-US" altLang="ko-KR" dirty="0" smtClean="0"/>
+            </a:br>
+            <a:r>
+              <a:rPr lang="en-US" altLang="ko-KR" dirty="0" smtClean="0"/>
+              <a:t>- </a:t>
+            </a:r>
             <a:r>
               <a:rPr lang="ko-KR" altLang="en-US" dirty="0" smtClean="0"/>
               <a:t>명령 레지스터</a:t>
@@ -7933,6 +8048,13 @@
             <a:r>
               <a:rPr lang="en-US" altLang="ko-KR" dirty="0" smtClean="0"/>
               <a:t>, </a:t>
+            </a:r>
+            <a:br>
+              <a:rPr lang="en-US" altLang="ko-KR" dirty="0" smtClean="0"/>
+            </a:br>
+            <a:r>
+              <a:rPr lang="en-US" altLang="ko-KR" dirty="0" smtClean="0"/>
+              <a:t>- </a:t>
             </a:r>
             <a:r>
               <a:rPr lang="ko-KR" altLang="en-US" dirty="0" smtClean="0"/>
@@ -9681,8 +9803,8 @@
         </p:nvSpPr>
         <p:spPr>
           <a:xfrm>
-            <a:off x="1516595" y="1428409"/>
-            <a:ext cx="6417170" cy="2339102"/>
+            <a:off x="1259999" y="1428409"/>
+            <a:ext cx="6870013" cy="2616101"/>
           </a:xfrm>
           <a:prstGeom prst="rect">
             <a:avLst/>
@@ -9703,20 +9825,8 @@
               <a:buChar char="§"/>
             </a:pPr>
             <a:r>
-              <a:rPr lang="en-US" altLang="ko-KR" dirty="0" smtClean="0"/>
-              <a:t>CPU</a:t>
-            </a:r>
-            <a:r>
-              <a:rPr lang="ko-KR" altLang="en-US" dirty="0" smtClean="0"/>
-              <a:t>가 </a:t>
-            </a:r>
-            <a:r>
-              <a:rPr lang="en-US" altLang="ko-KR" dirty="0" smtClean="0"/>
-              <a:t>RAM</a:t>
-            </a:r>
-            <a:r>
-              <a:rPr lang="ko-KR" altLang="en-US" dirty="0" smtClean="0"/>
-              <a:t>에 있는 데이터에 접근하기 위해서 물리적으로 먼 길을 돌아가야 함</a:t>
+              <a:rPr lang="en-US" altLang="ko-KR" dirty="0"/>
+              <a:t>Access Time = Seek Time + Rotation Delay + Transfer Delay</a:t>
             </a:r>
             <a:endParaRPr lang="en-US" altLang="ko-KR" dirty="0" smtClean="0"/>
           </a:p>
@@ -9734,31 +9844,15 @@
             </a:r>
             <a:r>
               <a:rPr lang="ko-KR" altLang="en-US" dirty="0" smtClean="0"/>
-              <a:t>의 연산 결과를 </a:t>
+              <a:t>가 </a:t>
             </a:r>
             <a:r>
               <a:rPr lang="en-US" altLang="ko-KR" dirty="0" smtClean="0"/>
-              <a:t>DRAM</a:t>
+              <a:t>RAM</a:t>
             </a:r>
             <a:r>
               <a:rPr lang="ko-KR" altLang="en-US" dirty="0" smtClean="0"/>
-              <a:t>으로 매번 보내고 다시 주고 받고 해야함</a:t>
-            </a:r>
-            <a:r>
-              <a:rPr lang="en-US" altLang="ko-KR" dirty="0" smtClean="0"/>
-              <a:t>. </a:t>
-            </a:r>
-            <a:r>
-              <a:rPr lang="ko-KR" altLang="en-US" dirty="0" smtClean="0"/>
-              <a:t>그러나 이런 식으로 동작한다면 </a:t>
-            </a:r>
-            <a:r>
-              <a:rPr lang="en-US" altLang="ko-KR" dirty="0" smtClean="0"/>
-              <a:t>CPU</a:t>
-            </a:r>
-            <a:r>
-              <a:rPr lang="ko-KR" altLang="en-US" dirty="0" smtClean="0"/>
-              <a:t>는 매우 느릴 수 밖에 없음 </a:t>
+              <a:t>에 있는 데이터에 접근하기 위해서 물리적으로 먼 길을 돌아가야 함</a:t>
             </a:r>
             <a:endParaRPr lang="en-US" altLang="ko-KR" dirty="0" smtClean="0"/>
           </a:p>
@@ -9771,6 +9865,45 @@
               <a:buChar char="§"/>
             </a:pPr>
             <a:r>
+              <a:rPr lang="en-US" altLang="ko-KR" dirty="0" smtClean="0"/>
+              <a:t>CPU</a:t>
+            </a:r>
+            <a:r>
+              <a:rPr lang="ko-KR" altLang="en-US" dirty="0" smtClean="0"/>
+              <a:t>의 연산 결과를 </a:t>
+            </a:r>
+            <a:r>
+              <a:rPr lang="en-US" altLang="ko-KR" dirty="0" smtClean="0"/>
+              <a:t>DRAM</a:t>
+            </a:r>
+            <a:r>
+              <a:rPr lang="ko-KR" altLang="en-US" dirty="0" smtClean="0"/>
+              <a:t>으로 매번 보내고 다시 주고 받고 해야함</a:t>
+            </a:r>
+            <a:r>
+              <a:rPr lang="en-US" altLang="ko-KR" dirty="0" smtClean="0"/>
+              <a:t>. </a:t>
+            </a:r>
+            <a:r>
+              <a:rPr lang="ko-KR" altLang="en-US" dirty="0" smtClean="0"/>
+              <a:t>그러나 이런 식으로 동작한다면 </a:t>
+            </a:r>
+            <a:r>
+              <a:rPr lang="en-US" altLang="ko-KR" dirty="0" smtClean="0"/>
+              <a:t>CPU</a:t>
+            </a:r>
+            <a:r>
+              <a:rPr lang="ko-KR" altLang="en-US" dirty="0" smtClean="0"/>
+              <a:t>는 매우 느릴 수 밖에 없음 </a:t>
+            </a:r>
+            <a:r>
+              <a:rPr lang="en-US" altLang="ko-KR" dirty="0"/>
+              <a:t/>
+            </a:r>
+            <a:br>
+              <a:rPr lang="en-US" altLang="ko-KR" dirty="0"/>
+            </a:br>
+            <a:r>
               <a:rPr lang="ko-KR" altLang="en-US" dirty="0" smtClean="0"/>
               <a:t>예</a:t>
             </a:r>
@@ -9789,7 +9922,7 @@
         </p:nvSpPr>
         <p:spPr>
           <a:xfrm rot="5400000">
-            <a:off x="4953698" y="5180211"/>
+            <a:off x="4953698" y="5334115"/>
             <a:ext cx="1629248" cy="299532"/>
           </a:xfrm>
           <a:prstGeom prst="triangle">
@@ -9838,7 +9971,7 @@
         </p:nvSpPr>
         <p:spPr>
           <a:xfrm>
-            <a:off x="6142185" y="4069977"/>
+            <a:off x="6142185" y="4540749"/>
             <a:ext cx="5894240" cy="1908215"/>
           </a:xfrm>
           <a:prstGeom prst="rect">
@@ -9918,15 +10051,7 @@
             </a:r>
             <a:r>
               <a:rPr lang="en-US" altLang="ko-KR" dirty="0" smtClean="0"/>
-              <a:t>(Load-</a:t>
-            </a:r>
-            <a:r>
-              <a:rPr lang="en-US" altLang="ko-KR" dirty="0" err="1" smtClean="0"/>
-              <a:t>Stroe</a:t>
-            </a:r>
-            <a:r>
-              <a:rPr lang="en-US" altLang="ko-KR" dirty="0" smtClean="0"/>
-              <a:t>) </a:t>
+              <a:t>(Load-Store) </a:t>
             </a:r>
             <a:r>
               <a:rPr lang="ko-KR" altLang="en-US" dirty="0"/>
@@ -9948,7 +10073,7 @@
         </p:nvGrpSpPr>
         <p:grpSpPr>
           <a:xfrm>
-            <a:off x="1642185" y="4069977"/>
+            <a:off x="1642185" y="4223881"/>
             <a:ext cx="3600000" cy="2520000"/>
             <a:chOff x="1934836" y="4069977"/>
             <a:chExt cx="3600000" cy="2520000"/>
